--- a/Day6/Day6-2.pptx
+++ b/Day6/Day6-2.pptx
@@ -199,7 +199,7 @@
           <a:p>
             <a:fld id="{D4CB86DC-20C9-45AA-9C21-5865177CCC2D}" type="datetimeFigureOut">
               <a:rPr lang="zh-TW" altLang="en-US" smtClean="0"/>
-              <a:t>2020/8/5</a:t>
+              <a:t>2020/8/7</a:t>
             </a:fld>
             <a:endParaRPr lang="zh-TW" altLang="en-US"/>
           </a:p>
@@ -661,7 +661,7 @@
           <a:p>
             <a:fld id="{5BBEAD13-0566-4C6C-97E7-55F17F24B09F}" type="datetimeFigureOut">
               <a:rPr lang="zh-TW" altLang="en-US" smtClean="0"/>
-              <a:t>2020/8/5</a:t>
+              <a:t>2020/8/7</a:t>
             </a:fld>
             <a:endParaRPr lang="zh-TW" altLang="en-US"/>
           </a:p>
@@ -826,7 +826,7 @@
           <a:p>
             <a:fld id="{5BBEAD13-0566-4C6C-97E7-55F17F24B09F}" type="datetimeFigureOut">
               <a:rPr lang="zh-TW" altLang="en-US" smtClean="0"/>
-              <a:t>2020/8/5</a:t>
+              <a:t>2020/8/7</a:t>
             </a:fld>
             <a:endParaRPr lang="zh-TW" altLang="en-US"/>
           </a:p>
@@ -1001,7 +1001,7 @@
           <a:p>
             <a:fld id="{5BBEAD13-0566-4C6C-97E7-55F17F24B09F}" type="datetimeFigureOut">
               <a:rPr lang="zh-TW" altLang="en-US" smtClean="0"/>
-              <a:t>2020/8/5</a:t>
+              <a:t>2020/8/7</a:t>
             </a:fld>
             <a:endParaRPr lang="zh-TW" altLang="en-US"/>
           </a:p>
@@ -1166,7 +1166,7 @@
           <a:p>
             <a:fld id="{5BBEAD13-0566-4C6C-97E7-55F17F24B09F}" type="datetimeFigureOut">
               <a:rPr lang="zh-TW" altLang="en-US" smtClean="0"/>
-              <a:t>2020/8/5</a:t>
+              <a:t>2020/8/7</a:t>
             </a:fld>
             <a:endParaRPr lang="zh-TW" altLang="en-US"/>
           </a:p>
@@ -1407,7 +1407,7 @@
           <a:p>
             <a:fld id="{5BBEAD13-0566-4C6C-97E7-55F17F24B09F}" type="datetimeFigureOut">
               <a:rPr lang="zh-TW" altLang="en-US" smtClean="0"/>
-              <a:t>2020/8/5</a:t>
+              <a:t>2020/8/7</a:t>
             </a:fld>
             <a:endParaRPr lang="zh-TW" altLang="en-US"/>
           </a:p>
@@ -1690,7 +1690,7 @@
           <a:p>
             <a:fld id="{5BBEAD13-0566-4C6C-97E7-55F17F24B09F}" type="datetimeFigureOut">
               <a:rPr lang="zh-TW" altLang="en-US" smtClean="0"/>
-              <a:t>2020/8/5</a:t>
+              <a:t>2020/8/7</a:t>
             </a:fld>
             <a:endParaRPr lang="zh-TW" altLang="en-US"/>
           </a:p>
@@ -2119,7 +2119,7 @@
           <a:p>
             <a:fld id="{5BBEAD13-0566-4C6C-97E7-55F17F24B09F}" type="datetimeFigureOut">
               <a:rPr lang="zh-TW" altLang="en-US" smtClean="0"/>
-              <a:t>2020/8/5</a:t>
+              <a:t>2020/8/7</a:t>
             </a:fld>
             <a:endParaRPr lang="zh-TW" altLang="en-US"/>
           </a:p>
@@ -2232,7 +2232,7 @@
           <a:p>
             <a:fld id="{5BBEAD13-0566-4C6C-97E7-55F17F24B09F}" type="datetimeFigureOut">
               <a:rPr lang="zh-TW" altLang="en-US" smtClean="0"/>
-              <a:t>2020/8/5</a:t>
+              <a:t>2020/8/7</a:t>
             </a:fld>
             <a:endParaRPr lang="zh-TW" altLang="en-US"/>
           </a:p>
@@ -2322,7 +2322,7 @@
           <a:p>
             <a:fld id="{5BBEAD13-0566-4C6C-97E7-55F17F24B09F}" type="datetimeFigureOut">
               <a:rPr lang="zh-TW" altLang="en-US" smtClean="0"/>
-              <a:t>2020/8/5</a:t>
+              <a:t>2020/8/7</a:t>
             </a:fld>
             <a:endParaRPr lang="zh-TW" altLang="en-US"/>
           </a:p>
@@ -2511,7 +2511,7 @@
           <a:p>
             <a:fld id="{5BBEAD13-0566-4C6C-97E7-55F17F24B09F}" type="datetimeFigureOut">
               <a:rPr lang="zh-TW" altLang="en-US" smtClean="0"/>
-              <a:t>2020/8/5</a:t>
+              <a:t>2020/8/7</a:t>
             </a:fld>
             <a:endParaRPr lang="zh-TW" altLang="en-US"/>
           </a:p>
@@ -2829,7 +2829,7 @@
           <a:p>
             <a:fld id="{5BBEAD13-0566-4C6C-97E7-55F17F24B09F}" type="datetimeFigureOut">
               <a:rPr lang="zh-TW" altLang="en-US" smtClean="0"/>
-              <a:t>2020/8/5</a:t>
+              <a:t>2020/8/7</a:t>
             </a:fld>
             <a:endParaRPr lang="zh-TW" altLang="en-US"/>
           </a:p>
@@ -3208,7 +3208,7 @@
           <a:p>
             <a:fld id="{5BBEAD13-0566-4C6C-97E7-55F17F24B09F}" type="datetimeFigureOut">
               <a:rPr lang="zh-TW" altLang="en-US" smtClean="0"/>
-              <a:t>2020/8/5</a:t>
+              <a:t>2020/8/7</a:t>
             </a:fld>
             <a:endParaRPr lang="zh-TW" altLang="en-US"/>
           </a:p>
@@ -3721,25 +3721,15 @@
             </a:r>
             <a:r>
               <a:rPr lang="zh-TW" altLang="en-US" dirty="0"/>
-              <a:t> 初探：文字辨視、分類問題</a:t>
-            </a:r>
-          </a:p>
-          <a:p>
-            <a:r>
-              <a:rPr lang="zh-TW" altLang="en-US" dirty="0"/>
-              <a:t>    </a:t>
-            </a:r>
-            <a:r>
-              <a:rPr lang="en-US" altLang="zh-TW" dirty="0"/>
-              <a:t>-</a:t>
-            </a:r>
-            <a:r>
-              <a:rPr lang="zh-TW" altLang="en-US" dirty="0"/>
-              <a:t> </a:t>
-            </a:r>
-            <a:r>
-              <a:rPr lang="en-US" altLang="zh-TW" dirty="0" err="1"/>
-              <a:t>Titalic</a:t>
+              <a:t> 初探：文字</a:t>
+            </a:r>
+            <a:r>
+              <a:rPr lang="zh-TW" altLang="en-US"/>
+              <a:t>辨</a:t>
+            </a:r>
+            <a:r>
+              <a:rPr lang="zh-TW" altLang="en-US" smtClean="0"/>
+              <a:t>視</a:t>
             </a:r>
             <a:endParaRPr lang="en-US" altLang="zh-TW" dirty="0"/>
           </a:p>
@@ -4498,19 +4488,11 @@
           <a:p>
             <a:r>
               <a:rPr lang="zh-TW" altLang="en-US" dirty="0" smtClean="0"/>
-              <a:t>可</a:t>
-            </a:r>
-            <a:r>
-              <a:rPr lang="zh-TW" altLang="en-US" dirty="0" smtClean="0"/>
-              <a:t>指定使用</a:t>
+              <a:t>可指定使用</a:t>
             </a:r>
             <a:r>
               <a:rPr lang="en-US" altLang="zh-TW" dirty="0" smtClean="0"/>
-              <a:t>CPU, GPU, </a:t>
-            </a:r>
-            <a:r>
-              <a:rPr lang="en-US" altLang="zh-TW" dirty="0" smtClean="0"/>
-              <a:t>TPU</a:t>
+              <a:t>CPU, GPU, TPU</a:t>
             </a:r>
           </a:p>
           <a:p>
